--- a/DM10-MDM.pptx
+++ b/DM10-MDM.pptx
@@ -3848,20 +3848,6 @@
               <a:t>Comme les données référentielles existent en de multiples endroits sous de multiples formes, aucun système ne peut revendiquer la propriété d’une donnée référentielle (qui en est le maître ?)</a:t>
             </a:r>
           </a:p>
-          <a:p>
-            <a:r>
-              <a:rPr lang="fr-FR" dirty="0"/>
-              <a:t>Absence d’unicité et de cohérence : lorsque deux applications utilisent des versions différentes de la même donnée référentielle, il est impossible de déterminer quelle version est la bonne; il est souvent fait référence à ce principe dans la littérature sous le terme « single version of the </a:t>
-            </a:r>
-            <a:r>
-              <a:rPr lang="fr-FR" dirty="0" err="1"/>
-              <a:t>truth</a:t>
-            </a:r>
-            <a:r>
-              <a:rPr lang="fr-FR" dirty="0"/>
-              <a:t> »</a:t>
-            </a:r>
-          </a:p>
         </p:txBody>
       </p:sp>
     </p:spTree>
@@ -5652,7 +5638,7 @@
           <a:p>
             <a:r>
               <a:rPr lang="fr-FR" dirty="0"/>
-              <a:t>Exemples de nouveaux enjeux</a:t>
+              <a:t>TP</a:t>
             </a:r>
           </a:p>
         </p:txBody>
@@ -5680,7 +5666,55 @@
           <a:p>
             <a:r>
               <a:rPr lang="fr-FR" dirty="0"/>
-              <a:t>A vous ?</a:t>
+              <a:t>Quels sont </a:t>
+            </a:r>
+            <a:r>
+              <a:rPr lang="fr-FR"/>
+              <a:t>les data </a:t>
+            </a:r>
+            <a:r>
+              <a:rPr lang="fr-FR" dirty="0"/>
+              <a:t>à stocker</a:t>
+            </a:r>
+          </a:p>
+          <a:p>
+            <a:pPr lvl="1"/>
+            <a:r>
+              <a:rPr lang="fr-FR" dirty="0"/>
+              <a:t>Où ?</a:t>
+            </a:r>
+          </a:p>
+          <a:p>
+            <a:r>
+              <a:rPr lang="fr-FR" dirty="0"/>
+              <a:t>Comment s'assurer du Single Source of Truth ?</a:t>
+            </a:r>
+          </a:p>
+          <a:p>
+            <a:r>
+              <a:rPr lang="fr-FR" dirty="0"/>
+              <a:t>Exemple de la médecine</a:t>
+            </a:r>
+          </a:p>
+          <a:p>
+            <a:pPr lvl="1"/>
+            <a:r>
+              <a:rPr lang="fr-FR" dirty="0"/>
+              <a:t>Les études en double aveugle</a:t>
+            </a:r>
+          </a:p>
+          <a:p>
+            <a:pPr lvl="1"/>
+            <a:r>
+              <a:rPr lang="fr-FR" dirty="0"/>
+              <a:t>Comment faire ?</a:t>
+            </a:r>
+          </a:p>
+          <a:p>
+            <a:pPr lvl="1"/>
+            <a:r>
+              <a:rPr lang="fr-FR" dirty="0"/>
+              <a:t>Comment gérer les data ?</a:t>
             </a:r>
           </a:p>
         </p:txBody>
@@ -6148,7 +6182,7 @@
           <a:p>
             <a:r>
               <a:rPr lang="fr-FR" dirty="0"/>
-              <a:t>Parmi les données essentielles, critiques, on compte les données tierces liées aux clients et fournisseurs, les informations financières, les données sur les employés, ou encore les données produits</a:t>
+              <a:t>Parmi les données essentielles, critiques, on compte les données tierces liées aux clients et fournisseurs, les informations financières, les données sur les employés, ou encore les données produites</a:t>
             </a:r>
           </a:p>
           <a:p>
